--- a/some EDA_ver3.pptx
+++ b/some EDA_ver3.pptx
@@ -261,7 +261,7 @@
           <a:p>
             <a:fld id="{0C3D5A26-D187-1A4C-8F3F-1C9DD3405DAD}" type="datetimeFigureOut">
               <a:rPr kumimoji="1" lang="ja-JP" altLang="en-US" smtClean="0"/>
-              <a:t>2022/11/17</a:t>
+              <a:t>2022/11/18</a:t>
             </a:fld>
             <a:endParaRPr kumimoji="1" lang="ja-JP" altLang="en-US"/>
           </a:p>
@@ -491,7 +491,7 @@
           <a:p>
             <a:fld id="{0C3D5A26-D187-1A4C-8F3F-1C9DD3405DAD}" type="datetimeFigureOut">
               <a:rPr kumimoji="1" lang="ja-JP" altLang="en-US" smtClean="0"/>
-              <a:t>2022/11/17</a:t>
+              <a:t>2022/11/18</a:t>
             </a:fld>
             <a:endParaRPr kumimoji="1" lang="ja-JP" altLang="en-US"/>
           </a:p>
@@ -731,7 +731,7 @@
           <a:p>
             <a:fld id="{0C3D5A26-D187-1A4C-8F3F-1C9DD3405DAD}" type="datetimeFigureOut">
               <a:rPr kumimoji="1" lang="ja-JP" altLang="en-US" smtClean="0"/>
-              <a:t>2022/11/17</a:t>
+              <a:t>2022/11/18</a:t>
             </a:fld>
             <a:endParaRPr kumimoji="1" lang="ja-JP" altLang="en-US"/>
           </a:p>
@@ -961,7 +961,7 @@
           <a:p>
             <a:fld id="{0C3D5A26-D187-1A4C-8F3F-1C9DD3405DAD}" type="datetimeFigureOut">
               <a:rPr kumimoji="1" lang="ja-JP" altLang="en-US" smtClean="0"/>
-              <a:t>2022/11/17</a:t>
+              <a:t>2022/11/18</a:t>
             </a:fld>
             <a:endParaRPr kumimoji="1" lang="ja-JP" altLang="en-US"/>
           </a:p>
@@ -1236,7 +1236,7 @@
           <a:p>
             <a:fld id="{0C3D5A26-D187-1A4C-8F3F-1C9DD3405DAD}" type="datetimeFigureOut">
               <a:rPr kumimoji="1" lang="ja-JP" altLang="en-US" smtClean="0"/>
-              <a:t>2022/11/17</a:t>
+              <a:t>2022/11/18</a:t>
             </a:fld>
             <a:endParaRPr kumimoji="1" lang="ja-JP" altLang="en-US"/>
           </a:p>
@@ -1565,7 +1565,7 @@
           <a:p>
             <a:fld id="{0C3D5A26-D187-1A4C-8F3F-1C9DD3405DAD}" type="datetimeFigureOut">
               <a:rPr kumimoji="1" lang="ja-JP" altLang="en-US" smtClean="0"/>
-              <a:t>2022/11/17</a:t>
+              <a:t>2022/11/18</a:t>
             </a:fld>
             <a:endParaRPr kumimoji="1" lang="ja-JP" altLang="en-US"/>
           </a:p>
@@ -2041,7 +2041,7 @@
           <a:p>
             <a:fld id="{0C3D5A26-D187-1A4C-8F3F-1C9DD3405DAD}" type="datetimeFigureOut">
               <a:rPr kumimoji="1" lang="ja-JP" altLang="en-US" smtClean="0"/>
-              <a:t>2022/11/17</a:t>
+              <a:t>2022/11/18</a:t>
             </a:fld>
             <a:endParaRPr kumimoji="1" lang="ja-JP" altLang="en-US"/>
           </a:p>
@@ -2182,7 +2182,7 @@
           <a:p>
             <a:fld id="{0C3D5A26-D187-1A4C-8F3F-1C9DD3405DAD}" type="datetimeFigureOut">
               <a:rPr kumimoji="1" lang="ja-JP" altLang="en-US" smtClean="0"/>
-              <a:t>2022/11/17</a:t>
+              <a:t>2022/11/18</a:t>
             </a:fld>
             <a:endParaRPr kumimoji="1" lang="ja-JP" altLang="en-US"/>
           </a:p>
@@ -2295,7 +2295,7 @@
           <a:p>
             <a:fld id="{0C3D5A26-D187-1A4C-8F3F-1C9DD3405DAD}" type="datetimeFigureOut">
               <a:rPr kumimoji="1" lang="ja-JP" altLang="en-US" smtClean="0"/>
-              <a:t>2022/11/17</a:t>
+              <a:t>2022/11/18</a:t>
             </a:fld>
             <a:endParaRPr kumimoji="1" lang="ja-JP" altLang="en-US"/>
           </a:p>
@@ -2638,7 +2638,7 @@
           <a:p>
             <a:fld id="{0C3D5A26-D187-1A4C-8F3F-1C9DD3405DAD}" type="datetimeFigureOut">
               <a:rPr kumimoji="1" lang="ja-JP" altLang="en-US" smtClean="0"/>
-              <a:t>2022/11/17</a:t>
+              <a:t>2022/11/18</a:t>
             </a:fld>
             <a:endParaRPr kumimoji="1" lang="ja-JP" altLang="en-US"/>
           </a:p>
@@ -2926,7 +2926,7 @@
           <a:p>
             <a:fld id="{0C3D5A26-D187-1A4C-8F3F-1C9DD3405DAD}" type="datetimeFigureOut">
               <a:rPr kumimoji="1" lang="ja-JP" altLang="en-US" smtClean="0"/>
-              <a:t>2022/11/17</a:t>
+              <a:t>2022/11/18</a:t>
             </a:fld>
             <a:endParaRPr kumimoji="1" lang="ja-JP" altLang="en-US"/>
           </a:p>
@@ -3199,7 +3199,7 @@
           <a:p>
             <a:fld id="{0C3D5A26-D187-1A4C-8F3F-1C9DD3405DAD}" type="datetimeFigureOut">
               <a:rPr kumimoji="1" lang="ja-JP" altLang="en-US" smtClean="0"/>
-              <a:t>2022/11/17</a:t>
+              <a:t>2022/11/18</a:t>
             </a:fld>
             <a:endParaRPr kumimoji="1" lang="ja-JP" altLang="en-US"/>
           </a:p>
@@ -5942,7 +5942,7 @@
                 <a:pPr lvl="1"/>
                 <a:r>
                   <a:rPr lang="en-US" altLang="ja-JP" dirty="0"/>
-                  <a:t>		TATAMORTORS: ~49%</a:t>
+                  <a:t>		INFY: ~49%</a:t>
                 </a:r>
               </a:p>
               <a:p>
@@ -6555,13 +6555,7 @@
                           <a:rPr lang="en-US" altLang="ja-JP" sz="2400" b="0" i="1" smtClean="0">
                             <a:latin typeface="Cambria Math" panose="02040503050406030204" pitchFamily="18" charset="0"/>
                           </a:rPr>
-                          <m:t> &gt; 0</m:t>
-                        </m:r>
-                        <m:r>
-                          <a:rPr lang="en-US" altLang="ja-JP" sz="2400" b="0" i="1" smtClean="0">
-                            <a:latin typeface="Cambria Math" panose="02040503050406030204" pitchFamily="18" charset="0"/>
-                          </a:rPr>
-                          <m:t>]</m:t>
+                          <m:t> &gt; 0]</m:t>
                         </m:r>
                       </m:num>
                       <m:den>
@@ -6612,7 +6606,7 @@
                 <a:pPr lvl="1"/>
                 <a:r>
                   <a:rPr lang="en-US" altLang="ja-JP" dirty="0"/>
-                  <a:t>		TATAMORTORS: ~57%</a:t>
+                  <a:t>		INFY: ~57%</a:t>
                 </a:r>
               </a:p>
               <a:p>
